--- a/src/workshop/documents/presentation.pptx
+++ b/src/workshop/documents/presentation.pptx
@@ -147,18 +147,18 @@
   <pc:docChgLst>
     <pc:chgData name="Chris Coulthrust" userId="063d00cb-5e76-429d-a5d7-82b57ca15819" providerId="ADAL" clId="{F38AE3B2-15D7-4CA3-9D7D-9922E2F9F714}"/>
     <pc:docChg chg="undo custSel addSld delSld modSld sldOrd">
-      <pc:chgData name="Chris Coulthrust" userId="063d00cb-5e76-429d-a5d7-82b57ca15819" providerId="ADAL" clId="{F38AE3B2-15D7-4CA3-9D7D-9922E2F9F714}" dt="2023-02-15T12:42:50.735" v="6304" actId="20577"/>
+      <pc:chgData name="Chris Coulthrust" userId="063d00cb-5e76-429d-a5d7-82b57ca15819" providerId="ADAL" clId="{F38AE3B2-15D7-4CA3-9D7D-9922E2F9F714}" dt="2023-02-15T12:47:02.046" v="6306" actId="20577"/>
       <pc:docMkLst>
         <pc:docMk/>
       </pc:docMkLst>
       <pc:sldChg chg="addSp delSp modSp mod">
-        <pc:chgData name="Chris Coulthrust" userId="063d00cb-5e76-429d-a5d7-82b57ca15819" providerId="ADAL" clId="{F38AE3B2-15D7-4CA3-9D7D-9922E2F9F714}" dt="2023-02-15T12:37:59.206" v="5988" actId="1076"/>
+        <pc:chgData name="Chris Coulthrust" userId="063d00cb-5e76-429d-a5d7-82b57ca15819" providerId="ADAL" clId="{F38AE3B2-15D7-4CA3-9D7D-9922E2F9F714}" dt="2023-02-15T12:47:02.046" v="6306" actId="20577"/>
         <pc:sldMkLst>
           <pc:docMk/>
           <pc:sldMk cId="1586891317" sldId="257"/>
         </pc:sldMkLst>
         <pc:spChg chg="mod">
-          <ac:chgData name="Chris Coulthrust" userId="063d00cb-5e76-429d-a5d7-82b57ca15819" providerId="ADAL" clId="{F38AE3B2-15D7-4CA3-9D7D-9922E2F9F714}" dt="2023-02-15T12:31:22.314" v="5877" actId="1035"/>
+          <ac:chgData name="Chris Coulthrust" userId="063d00cb-5e76-429d-a5d7-82b57ca15819" providerId="ADAL" clId="{F38AE3B2-15D7-4CA3-9D7D-9922E2F9F714}" dt="2023-02-15T12:47:02.046" v="6306" actId="20577"/>
           <ac:spMkLst>
             <pc:docMk/>
             <pc:sldMk cId="1586891317" sldId="257"/>
@@ -6798,12 +6798,16 @@
           <a:lstStyle/>
           <a:p>
             <a:r>
-              <a:rPr lang="en-US" sz="5500" dirty="0">
+              <a:rPr lang="en-US" sz="5500">
                 <a:latin typeface="Segoe UI Semibold"/>
                 <a:cs typeface="Segoe UI Semibold"/>
               </a:rPr>
               <a:t>ESG HACK-TO-LEARN</a:t>
             </a:r>
+            <a:endParaRPr lang="en-US" sz="5500" dirty="0">
+              <a:latin typeface="Segoe UI Semibold"/>
+              <a:cs typeface="Segoe UI Semibold"/>
+            </a:endParaRPr>
           </a:p>
         </p:txBody>
       </p:sp>
@@ -16426,6 +16430,25 @@
 </file>
 
 <file path=customXml/item1.xml><?xml version="1.0" encoding="utf-8"?>
+<p:properties xmlns:p="http://schemas.microsoft.com/office/2006/metadata/properties" xmlns:xsi="http://www.w3.org/2001/XMLSchema-instance" xmlns:pc="http://schemas.microsoft.com/office/infopath/2007/PartnerControls">
+  <documentManagement>
+    <_ip_UnifiedCompliancePolicyUIAction xmlns="http://schemas.microsoft.com/sharepoint/v3" xsi:nil="true"/>
+    <_ip_UnifiedCompliancePolicyProperties xmlns="http://schemas.microsoft.com/sharepoint/v3" xsi:nil="true"/>
+    <_activity xmlns="fcf06a3d-5554-4119-9728-901f6fa4364b" xsi:nil="true"/>
+  </documentManagement>
+</p:properties>
+</file>
+
+<file path=customXml/item2.xml><?xml version="1.0" encoding="utf-8"?>
+<?mso-contentType ?>
+<FormTemplates xmlns="http://schemas.microsoft.com/sharepoint/v3/contenttype/forms">
+  <Display>DocumentLibraryForm</Display>
+  <Edit>DocumentLibraryForm</Edit>
+  <New>DocumentLibraryForm</New>
+</FormTemplates>
+</file>
+
+<file path=customXml/item3.xml><?xml version="1.0" encoding="utf-8"?>
 <ct:contentTypeSchema xmlns:ct="http://schemas.microsoft.com/office/2006/metadata/contentType" xmlns:ma="http://schemas.microsoft.com/office/2006/metadata/properties/metaAttributes" ct:_="" ma:_="" ma:contentTypeName="Document" ma:contentTypeID="0x0101005945E2CBF8D6F04681D32839E921C691" ma:contentTypeVersion="18" ma:contentTypeDescription="Create a new document." ma:contentTypeScope="" ma:versionID="066e7779d3d131d32fef6a3328051933">
   <xsd:schema xmlns:xsd="http://www.w3.org/2001/XMLSchema" xmlns:xs="http://www.w3.org/2001/XMLSchema" xmlns:p="http://schemas.microsoft.com/office/2006/metadata/properties" xmlns:ns1="http://schemas.microsoft.com/sharepoint/v3" xmlns:ns3="4baf2e8c-b0f7-4e2e-bfd0-69eab883acad" xmlns:ns4="fcf06a3d-5554-4119-9728-901f6fa4364b" targetNamespace="http://schemas.microsoft.com/office/2006/metadata/properties" ma:root="true" ma:fieldsID="0e34af6e2e05e94666bbf7b929a37dc0" ns1:_="" ns3:_="" ns4:_="">
     <xsd:import namespace="http://schemas.microsoft.com/sharepoint/v3"/>
@@ -16683,26 +16706,33 @@
 </ct:contentTypeSchema>
 </file>
 
-<file path=customXml/item2.xml><?xml version="1.0" encoding="utf-8"?>
-<?mso-contentType ?>
-<FormTemplates xmlns="http://schemas.microsoft.com/sharepoint/v3/contenttype/forms">
-  <Display>DocumentLibraryForm</Display>
-  <Edit>DocumentLibraryForm</Edit>
-  <New>DocumentLibraryForm</New>
-</FormTemplates>
+<file path=customXml/itemProps1.xml><?xml version="1.0" encoding="utf-8"?>
+<ds:datastoreItem xmlns:ds="http://schemas.openxmlformats.org/officeDocument/2006/customXml" ds:itemID="{C80C93F5-DAD6-4335-8ED3-19A35CB5E1D8}">
+  <ds:schemaRefs>
+    <ds:schemaRef ds:uri="http://schemas.microsoft.com/sharepoint/v3"/>
+    <ds:schemaRef ds:uri="http://schemas.microsoft.com/office/2006/documentManagement/types"/>
+    <ds:schemaRef ds:uri="http://www.w3.org/XML/1998/namespace"/>
+    <ds:schemaRef ds:uri="http://purl.org/dc/terms/"/>
+    <ds:schemaRef ds:uri="http://schemas.microsoft.com/office/2006/metadata/properties"/>
+    <ds:schemaRef ds:uri="fcf06a3d-5554-4119-9728-901f6fa4364b"/>
+    <ds:schemaRef ds:uri="http://purl.org/dc/elements/1.1/"/>
+    <ds:schemaRef ds:uri="http://purl.org/dc/dcmitype/"/>
+    <ds:schemaRef ds:uri="http://schemas.microsoft.com/office/infopath/2007/PartnerControls"/>
+    <ds:schemaRef ds:uri="http://schemas.openxmlformats.org/package/2006/metadata/core-properties"/>
+    <ds:schemaRef ds:uri="4baf2e8c-b0f7-4e2e-bfd0-69eab883acad"/>
+  </ds:schemaRefs>
+</ds:datastoreItem>
 </file>
 
-<file path=customXml/item3.xml><?xml version="1.0" encoding="utf-8"?>
-<p:properties xmlns:p="http://schemas.microsoft.com/office/2006/metadata/properties" xmlns:xsi="http://www.w3.org/2001/XMLSchema-instance" xmlns:pc="http://schemas.microsoft.com/office/infopath/2007/PartnerControls">
-  <documentManagement>
-    <_ip_UnifiedCompliancePolicyUIAction xmlns="http://schemas.microsoft.com/sharepoint/v3" xsi:nil="true"/>
-    <_ip_UnifiedCompliancePolicyProperties xmlns="http://schemas.microsoft.com/sharepoint/v3" xsi:nil="true"/>
-    <_activity xmlns="fcf06a3d-5554-4119-9728-901f6fa4364b" xsi:nil="true"/>
-  </documentManagement>
-</p:properties>
+<file path=customXml/itemProps2.xml><?xml version="1.0" encoding="utf-8"?>
+<ds:datastoreItem xmlns:ds="http://schemas.openxmlformats.org/officeDocument/2006/customXml" ds:itemID="{550BC19E-6503-4ACA-A812-595C8D467FD0}">
+  <ds:schemaRefs>
+    <ds:schemaRef ds:uri="http://schemas.microsoft.com/sharepoint/v3/contenttype/forms"/>
+  </ds:schemaRefs>
+</ds:datastoreItem>
 </file>
 
-<file path=customXml/itemProps1.xml><?xml version="1.0" encoding="utf-8"?>
+<file path=customXml/itemProps3.xml><?xml version="1.0" encoding="utf-8"?>
 <ds:datastoreItem xmlns:ds="http://schemas.openxmlformats.org/officeDocument/2006/customXml" ds:itemID="{5421B899-A8B1-450A-A72E-8F325CE0DDEE}">
   <ds:schemaRefs>
     <ds:schemaRef ds:uri="http://schemas.microsoft.com/office/2006/metadata/contentType"/>
@@ -16722,32 +16752,6 @@
 </ds:datastoreItem>
 </file>
 
-<file path=customXml/itemProps2.xml><?xml version="1.0" encoding="utf-8"?>
-<ds:datastoreItem xmlns:ds="http://schemas.openxmlformats.org/officeDocument/2006/customXml" ds:itemID="{550BC19E-6503-4ACA-A812-595C8D467FD0}">
-  <ds:schemaRefs>
-    <ds:schemaRef ds:uri="http://schemas.microsoft.com/sharepoint/v3/contenttype/forms"/>
-  </ds:schemaRefs>
-</ds:datastoreItem>
-</file>
-
-<file path=customXml/itemProps3.xml><?xml version="1.0" encoding="utf-8"?>
-<ds:datastoreItem xmlns:ds="http://schemas.openxmlformats.org/officeDocument/2006/customXml" ds:itemID="{C80C93F5-DAD6-4335-8ED3-19A35CB5E1D8}">
-  <ds:schemaRefs>
-    <ds:schemaRef ds:uri="http://schemas.microsoft.com/sharepoint/v3"/>
-    <ds:schemaRef ds:uri="http://schemas.microsoft.com/office/2006/documentManagement/types"/>
-    <ds:schemaRef ds:uri="http://www.w3.org/XML/1998/namespace"/>
-    <ds:schemaRef ds:uri="http://purl.org/dc/terms/"/>
-    <ds:schemaRef ds:uri="http://schemas.microsoft.com/office/2006/metadata/properties"/>
-    <ds:schemaRef ds:uri="fcf06a3d-5554-4119-9728-901f6fa4364b"/>
-    <ds:schemaRef ds:uri="http://purl.org/dc/elements/1.1/"/>
-    <ds:schemaRef ds:uri="http://purl.org/dc/dcmitype/"/>
-    <ds:schemaRef ds:uri="http://schemas.microsoft.com/office/infopath/2007/PartnerControls"/>
-    <ds:schemaRef ds:uri="http://schemas.openxmlformats.org/package/2006/metadata/core-properties"/>
-    <ds:schemaRef ds:uri="4baf2e8c-b0f7-4e2e-bfd0-69eab883acad"/>
-  </ds:schemaRefs>
-</ds:datastoreItem>
-</file>
-
 <file path=docMetadata/LabelInfo.xml><?xml version="1.0" encoding="utf-8"?>
 <clbl:labelList xmlns:clbl="http://schemas.microsoft.com/office/2020/mipLabelMetadata">
   <clbl:label id="{f42aa342-8706-4288-bd11-ebb85995028c}" enabled="1" method="Standard" siteId="{72f988bf-86f1-41af-91ab-2d7cd011db47}" removed="0"/>
